--- a/ppt/git.pptx
+++ b/ppt/git.pptx
@@ -10573,6 +10573,70 @@
               <a:rPr lang="en-US" dirty="0"/>
               <a:t>Git pull</a:t>
             </a:r>
+            <a:endParaRPr lang="en-IN" dirty="0"/>
+          </a:p>
+        </p:txBody>
+      </p:sp>
+      <p:sp>
+        <p:nvSpPr>
+          <p:cNvPr id="6" name="TextBox 5">
+            <a:extLst>
+              <a:ext uri="{FF2B5EF4-FFF2-40B4-BE49-F238E27FC236}">
+                <a16:creationId xmlns:a16="http://schemas.microsoft.com/office/drawing/2014/main" id="{68A1ECA6-DA3F-6294-751A-4C9A462ECC7D}"/>
+              </a:ext>
+            </a:extLst>
+          </p:cNvPr>
+          <p:cNvSpPr txBox="1"/>
+          <p:nvPr/>
+        </p:nvSpPr>
+        <p:spPr>
+          <a:xfrm>
+            <a:off x="829733" y="3733798"/>
+            <a:ext cx="10532533" cy="2031325"/>
+          </a:xfrm>
+          <a:prstGeom prst="rect">
+            <a:avLst/>
+          </a:prstGeom>
+          <a:noFill/>
+        </p:spPr>
+        <p:txBody>
+          <a:bodyPr wrap="square" rtlCol="0">
+            <a:spAutoFit/>
+          </a:bodyPr>
+          <a:lstStyle/>
+          <a:p>
+            <a:r>
+              <a:rPr lang="en-IN" dirty="0"/>
+              <a:t>Git pull -&gt; downloads the latest files from central repo and also merges the same with local repo copy.</a:t>
+            </a:r>
+          </a:p>
+          <a:p>
+            <a:endParaRPr lang="en-IN" dirty="0"/>
+          </a:p>
+          <a:p>
+            <a:r>
+              <a:rPr lang="en-IN" dirty="0"/>
+              <a:t>Git fetch -&gt; downloads the latest files from central repo and but does not merge the same with local repo copy.</a:t>
+            </a:r>
+          </a:p>
+          <a:p>
+            <a:endParaRPr lang="en-IN" dirty="0"/>
+          </a:p>
+          <a:p>
+            <a:r>
+              <a:rPr lang="en-IN" dirty="0"/>
+              <a:t>Git Pull = git fetch </a:t>
+            </a:r>
+            <a:r>
+              <a:rPr lang="en-IN"/>
+              <a:t>+ git merge</a:t>
+            </a:r>
+            <a:endParaRPr lang="en-IN" dirty="0"/>
+          </a:p>
+          <a:p>
+            <a:endParaRPr lang="en-IN" dirty="0"/>
+          </a:p>
+          <a:p>
             <a:endParaRPr lang="en-IN" dirty="0"/>
           </a:p>
         </p:txBody>

--- a/ppt/git.pptx
+++ b/ppt/git.pptx
@@ -5,7 +5,7 @@
     <p:sldMasterId id="2147483648" r:id="rId1"/>
   </p:sldMasterIdLst>
   <p:notesMasterIdLst>
-    <p:notesMasterId r:id="rId21"/>
+    <p:notesMasterId r:id="rId22"/>
   </p:notesMasterIdLst>
   <p:sldIdLst>
     <p:sldId id="256" r:id="rId2"/>
@@ -24,9 +24,10 @@
     <p:sldId id="271" r:id="rId15"/>
     <p:sldId id="272" r:id="rId16"/>
     <p:sldId id="273" r:id="rId17"/>
-    <p:sldId id="267" r:id="rId18"/>
-    <p:sldId id="260" r:id="rId19"/>
-    <p:sldId id="259" r:id="rId20"/>
+    <p:sldId id="275" r:id="rId18"/>
+    <p:sldId id="267" r:id="rId19"/>
+    <p:sldId id="260" r:id="rId20"/>
+    <p:sldId id="259" r:id="rId21"/>
   </p:sldIdLst>
   <p:sldSz cx="12192000" cy="6858000"/>
   <p:notesSz cx="6858000" cy="9144000"/>
@@ -7175,55 +7176,10 @@
       </p:grpSpPr>
       <p:sp>
         <p:nvSpPr>
-          <p:cNvPr id="2" name="TextBox 1">
-            <a:extLst>
-              <a:ext uri="{FF2B5EF4-FFF2-40B4-BE49-F238E27FC236}">
-                <a16:creationId xmlns:a16="http://schemas.microsoft.com/office/drawing/2014/main" id="{A0FA6F97-54A8-1DC4-5A0D-4E61F5CA4718}"/>
-              </a:ext>
-            </a:extLst>
-          </p:cNvPr>
-          <p:cNvSpPr txBox="1"/>
-          <p:nvPr/>
-        </p:nvSpPr>
-        <p:spPr>
-          <a:xfrm>
-            <a:off x="1303867" y="609600"/>
-            <a:ext cx="9948333" cy="923330"/>
-          </a:xfrm>
-          <a:prstGeom prst="rect">
-            <a:avLst/>
-          </a:prstGeom>
-          <a:noFill/>
-        </p:spPr>
-        <p:txBody>
-          <a:bodyPr wrap="square" rtlCol="0">
-            <a:spAutoFit/>
-          </a:bodyPr>
-          <a:lstStyle/>
-          <a:p>
-            <a:r>
-              <a:rPr lang="en-US" dirty="0"/>
-              <a:t>FORKING:</a:t>
-            </a:r>
-          </a:p>
-          <a:p>
-            <a:endParaRPr lang="en-US" dirty="0"/>
-          </a:p>
-          <a:p>
-            <a:r>
-              <a:rPr lang="en-US" dirty="0"/>
-              <a:t>CLONING -&gt; You want to create a copy of remote repository to your local machine as a local repo.</a:t>
-            </a:r>
-            <a:endParaRPr lang="en-IN" dirty="0"/>
-          </a:p>
-        </p:txBody>
-      </p:sp>
-      <p:sp>
-        <p:nvSpPr>
-          <p:cNvPr id="3" name="Rectangle 2">
-            <a:extLst>
-              <a:ext uri="{FF2B5EF4-FFF2-40B4-BE49-F238E27FC236}">
-                <a16:creationId xmlns:a16="http://schemas.microsoft.com/office/drawing/2014/main" id="{1DFD0174-7A6E-C5D9-B5DB-05C1CA02A10D}"/>
+          <p:cNvPr id="2" name="Rectangle 1">
+            <a:extLst>
+              <a:ext uri="{FF2B5EF4-FFF2-40B4-BE49-F238E27FC236}">
+                <a16:creationId xmlns:a16="http://schemas.microsoft.com/office/drawing/2014/main" id="{F9F96919-D77E-B426-18A1-248F237F9445}"/>
               </a:ext>
             </a:extLst>
           </p:cNvPr>
@@ -7232,8 +7188,8 @@
         </p:nvSpPr>
         <p:spPr>
           <a:xfrm>
-            <a:off x="2929467" y="2328333"/>
-            <a:ext cx="1710266" cy="474134"/>
+            <a:off x="1845733" y="5198533"/>
+            <a:ext cx="1320800" cy="287867"/>
           </a:xfrm>
           <a:prstGeom prst="rect">
             <a:avLst/>
@@ -7261,89 +7217,34 @@
           <a:p>
             <a:pPr algn="ctr"/>
             <a:r>
-              <a:rPr lang="en-US" dirty="0" err="1"/>
-              <a:t>swiggy</a:t>
-            </a:r>
-            <a:endParaRPr lang="en-IN" dirty="0"/>
-          </a:p>
-        </p:txBody>
-      </p:sp>
-      <p:sp>
-        <p:nvSpPr>
-          <p:cNvPr id="4" name="Rectangle 3">
-            <a:extLst>
-              <a:ext uri="{FF2B5EF4-FFF2-40B4-BE49-F238E27FC236}">
-                <a16:creationId xmlns:a16="http://schemas.microsoft.com/office/drawing/2014/main" id="{1C6E3F7B-32B6-675F-025A-8B3A90FCD867}"/>
-              </a:ext>
-            </a:extLst>
-          </p:cNvPr>
-          <p:cNvSpPr/>
-          <p:nvPr/>
-        </p:nvSpPr>
-        <p:spPr>
-          <a:xfrm>
-            <a:off x="2929467" y="3429000"/>
-            <a:ext cx="1710266" cy="474134"/>
-          </a:xfrm>
-          <a:prstGeom prst="rect">
-            <a:avLst/>
-          </a:prstGeom>
-        </p:spPr>
-        <p:style>
-          <a:lnRef idx="2">
-            <a:schemeClr val="accent1">
-              <a:shade val="15000"/>
-            </a:schemeClr>
-          </a:lnRef>
-          <a:fillRef idx="1">
-            <a:schemeClr val="accent1"/>
-          </a:fillRef>
-          <a:effectRef idx="0">
-            <a:schemeClr val="accent1"/>
-          </a:effectRef>
-          <a:fontRef idx="minor">
-            <a:schemeClr val="lt1"/>
-          </a:fontRef>
-        </p:style>
-        <p:txBody>
-          <a:bodyPr rtlCol="0" anchor="ctr"/>
-          <a:lstStyle/>
-          <a:p>
-            <a:pPr algn="ctr"/>
-            <a:r>
-              <a:rPr lang="en-US" dirty="0"/>
-              <a:t>Swiggy-v</a:t>
-            </a:r>
-            <a:endParaRPr lang="en-IN" dirty="0"/>
+              <a:rPr lang="en-IN" dirty="0"/>
+              <a:t>Hello.txt</a:t>
+            </a:r>
           </a:p>
         </p:txBody>
       </p:sp>
       <p:cxnSp>
         <p:nvCxnSpPr>
-          <p:cNvPr id="6" name="Straight Arrow Connector 5">
-            <a:extLst>
-              <a:ext uri="{FF2B5EF4-FFF2-40B4-BE49-F238E27FC236}">
-                <a16:creationId xmlns:a16="http://schemas.microsoft.com/office/drawing/2014/main" id="{854616CF-7F85-EE91-8C4F-624892945118}"/>
+          <p:cNvPr id="4" name="Straight Connector 3">
+            <a:extLst>
+              <a:ext uri="{FF2B5EF4-FFF2-40B4-BE49-F238E27FC236}">
+                <a16:creationId xmlns:a16="http://schemas.microsoft.com/office/drawing/2014/main" id="{DE1D802F-4B0E-4D7E-6154-A899685E9BAE}"/>
               </a:ext>
             </a:extLst>
           </p:cNvPr>
           <p:cNvCxnSpPr>
-            <a:stCxn id="3" idx="2"/>
-            <a:endCxn id="4" idx="0"/>
+            <a:stCxn id="2" idx="3"/>
           </p:cNvCxnSpPr>
           <p:nvPr/>
         </p:nvCxnSpPr>
         <p:spPr>
           <a:xfrm>
-            <a:off x="3784600" y="2802467"/>
-            <a:ext cx="0" cy="626533"/>
-          </a:xfrm>
-          <a:prstGeom prst="straightConnector1">
-            <a:avLst/>
-          </a:prstGeom>
-          <a:ln>
-            <a:tailEnd type="triangle"/>
-          </a:ln>
+            <a:off x="3166533" y="5342467"/>
+            <a:ext cx="1464734" cy="16933"/>
+          </a:xfrm>
+          <a:prstGeom prst="line">
+            <a:avLst/>
+          </a:prstGeom>
         </p:spPr>
         <p:style>
           <a:lnRef idx="1">
@@ -7360,430 +7261,10 @@
           </a:fontRef>
         </p:style>
       </p:cxnSp>
-      <p:cxnSp>
-        <p:nvCxnSpPr>
-          <p:cNvPr id="7" name="Straight Arrow Connector 6">
-            <a:extLst>
-              <a:ext uri="{FF2B5EF4-FFF2-40B4-BE49-F238E27FC236}">
-                <a16:creationId xmlns:a16="http://schemas.microsoft.com/office/drawing/2014/main" id="{06D0679C-ACDB-BCB8-75C0-16CC247057AE}"/>
-              </a:ext>
-            </a:extLst>
-          </p:cNvPr>
-          <p:cNvCxnSpPr>
-            <a:cxnSpLocks/>
-          </p:cNvCxnSpPr>
-          <p:nvPr/>
-        </p:nvCxnSpPr>
-        <p:spPr>
-          <a:xfrm>
-            <a:off x="4639733" y="2489200"/>
-            <a:ext cx="635000" cy="0"/>
-          </a:xfrm>
-          <a:prstGeom prst="straightConnector1">
-            <a:avLst/>
-          </a:prstGeom>
-          <a:ln>
-            <a:tailEnd type="triangle"/>
-          </a:ln>
-        </p:spPr>
-        <p:style>
-          <a:lnRef idx="1">
-            <a:schemeClr val="accent1"/>
-          </a:lnRef>
-          <a:fillRef idx="0">
-            <a:schemeClr val="accent1"/>
-          </a:fillRef>
-          <a:effectRef idx="0">
-            <a:schemeClr val="accent1"/>
-          </a:effectRef>
-          <a:fontRef idx="minor">
-            <a:schemeClr val="tx1"/>
-          </a:fontRef>
-        </p:style>
-      </p:cxnSp>
-      <p:sp>
-        <p:nvSpPr>
-          <p:cNvPr id="9" name="Rectangle 8">
-            <a:extLst>
-              <a:ext uri="{FF2B5EF4-FFF2-40B4-BE49-F238E27FC236}">
-                <a16:creationId xmlns:a16="http://schemas.microsoft.com/office/drawing/2014/main" id="{D17B672E-EF85-FEFF-89DD-BEA6580B7056}"/>
-              </a:ext>
-            </a:extLst>
-          </p:cNvPr>
-          <p:cNvSpPr/>
-          <p:nvPr/>
-        </p:nvSpPr>
-        <p:spPr>
-          <a:xfrm>
-            <a:off x="5274733" y="2328333"/>
-            <a:ext cx="1710266" cy="474134"/>
-          </a:xfrm>
-          <a:prstGeom prst="rect">
-            <a:avLst/>
-          </a:prstGeom>
-        </p:spPr>
-        <p:style>
-          <a:lnRef idx="2">
-            <a:schemeClr val="accent1">
-              <a:shade val="15000"/>
-            </a:schemeClr>
-          </a:lnRef>
-          <a:fillRef idx="1">
-            <a:schemeClr val="accent1"/>
-          </a:fillRef>
-          <a:effectRef idx="0">
-            <a:schemeClr val="accent1"/>
-          </a:effectRef>
-          <a:fontRef idx="minor">
-            <a:schemeClr val="lt1"/>
-          </a:fontRef>
-        </p:style>
-        <p:txBody>
-          <a:bodyPr rtlCol="0" anchor="ctr"/>
-          <a:lstStyle/>
-          <a:p>
-            <a:pPr algn="ctr"/>
-            <a:r>
-              <a:rPr lang="en-US" dirty="0" err="1"/>
-              <a:t>swiggy</a:t>
-            </a:r>
-            <a:endParaRPr lang="en-IN" dirty="0"/>
-          </a:p>
-        </p:txBody>
-      </p:sp>
-      <p:sp>
-        <p:nvSpPr>
-          <p:cNvPr id="10" name="Rectangle 9">
-            <a:extLst>
-              <a:ext uri="{FF2B5EF4-FFF2-40B4-BE49-F238E27FC236}">
-                <a16:creationId xmlns:a16="http://schemas.microsoft.com/office/drawing/2014/main" id="{CAF0E10D-A825-E971-D5A6-BAD46737539D}"/>
-              </a:ext>
-            </a:extLst>
-          </p:cNvPr>
-          <p:cNvSpPr/>
-          <p:nvPr/>
-        </p:nvSpPr>
-        <p:spPr>
-          <a:xfrm>
-            <a:off x="7696199" y="2328333"/>
-            <a:ext cx="1710266" cy="474134"/>
-          </a:xfrm>
-          <a:prstGeom prst="rect">
-            <a:avLst/>
-          </a:prstGeom>
-        </p:spPr>
-        <p:style>
-          <a:lnRef idx="2">
-            <a:schemeClr val="accent1">
-              <a:shade val="15000"/>
-            </a:schemeClr>
-          </a:lnRef>
-          <a:fillRef idx="1">
-            <a:schemeClr val="accent1"/>
-          </a:fillRef>
-          <a:effectRef idx="0">
-            <a:schemeClr val="accent1"/>
-          </a:effectRef>
-          <a:fontRef idx="minor">
-            <a:schemeClr val="lt1"/>
-          </a:fontRef>
-        </p:style>
-        <p:txBody>
-          <a:bodyPr rtlCol="0" anchor="ctr"/>
-          <a:lstStyle/>
-          <a:p>
-            <a:pPr algn="ctr"/>
-            <a:r>
-              <a:rPr lang="en-US" dirty="0" err="1"/>
-              <a:t>swiggy</a:t>
-            </a:r>
-            <a:endParaRPr lang="en-IN" dirty="0"/>
-          </a:p>
-        </p:txBody>
-      </p:sp>
-      <p:cxnSp>
-        <p:nvCxnSpPr>
-          <p:cNvPr id="11" name="Straight Arrow Connector 10">
-            <a:extLst>
-              <a:ext uri="{FF2B5EF4-FFF2-40B4-BE49-F238E27FC236}">
-                <a16:creationId xmlns:a16="http://schemas.microsoft.com/office/drawing/2014/main" id="{8528A4C9-7659-46AC-4EFD-FA498421E766}"/>
-              </a:ext>
-            </a:extLst>
-          </p:cNvPr>
-          <p:cNvCxnSpPr>
-            <a:cxnSpLocks/>
-            <a:stCxn id="9" idx="3"/>
-          </p:cNvCxnSpPr>
-          <p:nvPr/>
-        </p:nvCxnSpPr>
-        <p:spPr>
-          <a:xfrm>
-            <a:off x="6984999" y="2565400"/>
-            <a:ext cx="711200" cy="0"/>
-          </a:xfrm>
-          <a:prstGeom prst="straightConnector1">
-            <a:avLst/>
-          </a:prstGeom>
-          <a:ln>
-            <a:tailEnd type="triangle"/>
-          </a:ln>
-        </p:spPr>
-        <p:style>
-          <a:lnRef idx="1">
-            <a:schemeClr val="accent1"/>
-          </a:lnRef>
-          <a:fillRef idx="0">
-            <a:schemeClr val="accent1"/>
-          </a:fillRef>
-          <a:effectRef idx="0">
-            <a:schemeClr val="accent1"/>
-          </a:effectRef>
-          <a:fontRef idx="minor">
-            <a:schemeClr val="tx1"/>
-          </a:fontRef>
-        </p:style>
-      </p:cxnSp>
-      <p:sp>
-        <p:nvSpPr>
-          <p:cNvPr id="13" name="Rectangle 12">
-            <a:extLst>
-              <a:ext uri="{FF2B5EF4-FFF2-40B4-BE49-F238E27FC236}">
-                <a16:creationId xmlns:a16="http://schemas.microsoft.com/office/drawing/2014/main" id="{A8567B02-F764-4DF2-D5A1-4E9813CFACC6}"/>
-              </a:ext>
-            </a:extLst>
-          </p:cNvPr>
-          <p:cNvSpPr/>
-          <p:nvPr/>
-        </p:nvSpPr>
-        <p:spPr>
-          <a:xfrm>
-            <a:off x="2929467" y="4292600"/>
-            <a:ext cx="1710266" cy="474134"/>
-          </a:xfrm>
-          <a:prstGeom prst="rect">
-            <a:avLst/>
-          </a:prstGeom>
-        </p:spPr>
-        <p:style>
-          <a:lnRef idx="2">
-            <a:schemeClr val="accent1">
-              <a:shade val="15000"/>
-            </a:schemeClr>
-          </a:lnRef>
-          <a:fillRef idx="1">
-            <a:schemeClr val="accent1"/>
-          </a:fillRef>
-          <a:effectRef idx="0">
-            <a:schemeClr val="accent1"/>
-          </a:effectRef>
-          <a:fontRef idx="minor">
-            <a:schemeClr val="lt1"/>
-          </a:fontRef>
-        </p:style>
-        <p:txBody>
-          <a:bodyPr rtlCol="0" anchor="ctr"/>
-          <a:lstStyle/>
-          <a:p>
-            <a:pPr algn="ctr"/>
-            <a:r>
-              <a:rPr lang="en-US" dirty="0"/>
-              <a:t>Swiggy-v</a:t>
-            </a:r>
-            <a:endParaRPr lang="en-IN" dirty="0"/>
-          </a:p>
-        </p:txBody>
-      </p:sp>
-      <p:cxnSp>
-        <p:nvCxnSpPr>
-          <p:cNvPr id="14" name="Straight Arrow Connector 13">
-            <a:extLst>
-              <a:ext uri="{FF2B5EF4-FFF2-40B4-BE49-F238E27FC236}">
-                <a16:creationId xmlns:a16="http://schemas.microsoft.com/office/drawing/2014/main" id="{50193DC6-ED42-8F18-1F33-4BE8F5105220}"/>
-              </a:ext>
-            </a:extLst>
-          </p:cNvPr>
-          <p:cNvCxnSpPr>
-            <a:cxnSpLocks/>
-            <a:endCxn id="13" idx="0"/>
-          </p:cNvCxnSpPr>
-          <p:nvPr/>
-        </p:nvCxnSpPr>
-        <p:spPr>
-          <a:xfrm>
-            <a:off x="3784600" y="3877734"/>
-            <a:ext cx="0" cy="414866"/>
-          </a:xfrm>
-          <a:prstGeom prst="straightConnector1">
-            <a:avLst/>
-          </a:prstGeom>
-          <a:ln>
-            <a:tailEnd type="triangle"/>
-          </a:ln>
-        </p:spPr>
-        <p:style>
-          <a:lnRef idx="1">
-            <a:schemeClr val="accent1"/>
-          </a:lnRef>
-          <a:fillRef idx="0">
-            <a:schemeClr val="accent1"/>
-          </a:fillRef>
-          <a:effectRef idx="0">
-            <a:schemeClr val="accent1"/>
-          </a:effectRef>
-          <a:fontRef idx="minor">
-            <a:schemeClr val="tx1"/>
-          </a:fontRef>
-        </p:style>
-      </p:cxnSp>
-      <p:cxnSp>
-        <p:nvCxnSpPr>
-          <p:cNvPr id="16" name="Straight Arrow Connector 15">
-            <a:extLst>
-              <a:ext uri="{FF2B5EF4-FFF2-40B4-BE49-F238E27FC236}">
-                <a16:creationId xmlns:a16="http://schemas.microsoft.com/office/drawing/2014/main" id="{2B685792-B69B-4F40-CCEA-84B124917019}"/>
-              </a:ext>
-            </a:extLst>
-          </p:cNvPr>
-          <p:cNvCxnSpPr>
-            <a:cxnSpLocks/>
-          </p:cNvCxnSpPr>
-          <p:nvPr/>
-        </p:nvCxnSpPr>
-        <p:spPr>
-          <a:xfrm>
-            <a:off x="3776133" y="4690534"/>
-            <a:ext cx="0" cy="414866"/>
-          </a:xfrm>
-          <a:prstGeom prst="straightConnector1">
-            <a:avLst/>
-          </a:prstGeom>
-          <a:ln>
-            <a:tailEnd type="triangle"/>
-          </a:ln>
-        </p:spPr>
-        <p:style>
-          <a:lnRef idx="1">
-            <a:schemeClr val="accent1"/>
-          </a:lnRef>
-          <a:fillRef idx="0">
-            <a:schemeClr val="accent1"/>
-          </a:fillRef>
-          <a:effectRef idx="0">
-            <a:schemeClr val="accent1"/>
-          </a:effectRef>
-          <a:fontRef idx="minor">
-            <a:schemeClr val="tx1"/>
-          </a:fontRef>
-        </p:style>
-      </p:cxnSp>
-      <p:sp>
-        <p:nvSpPr>
-          <p:cNvPr id="17" name="Rectangle 16">
-            <a:extLst>
-              <a:ext uri="{FF2B5EF4-FFF2-40B4-BE49-F238E27FC236}">
-                <a16:creationId xmlns:a16="http://schemas.microsoft.com/office/drawing/2014/main" id="{0B4CC610-C885-8EE9-305D-6E78E2D93811}"/>
-              </a:ext>
-            </a:extLst>
-          </p:cNvPr>
-          <p:cNvSpPr/>
-          <p:nvPr/>
-        </p:nvSpPr>
-        <p:spPr>
-          <a:xfrm>
-            <a:off x="3056467" y="4453467"/>
-            <a:ext cx="1710266" cy="474134"/>
-          </a:xfrm>
-          <a:prstGeom prst="rect">
-            <a:avLst/>
-          </a:prstGeom>
-        </p:spPr>
-        <p:style>
-          <a:lnRef idx="2">
-            <a:schemeClr val="accent1">
-              <a:shade val="15000"/>
-            </a:schemeClr>
-          </a:lnRef>
-          <a:fillRef idx="1">
-            <a:schemeClr val="accent1"/>
-          </a:fillRef>
-          <a:effectRef idx="0">
-            <a:schemeClr val="accent1"/>
-          </a:effectRef>
-          <a:fontRef idx="minor">
-            <a:schemeClr val="lt1"/>
-          </a:fontRef>
-        </p:style>
-        <p:txBody>
-          <a:bodyPr rtlCol="0" anchor="ctr"/>
-          <a:lstStyle/>
-          <a:p>
-            <a:pPr algn="ctr"/>
-            <a:r>
-              <a:rPr lang="en-US" dirty="0"/>
-              <a:t>Swiggy-v</a:t>
-            </a:r>
-            <a:endParaRPr lang="en-IN" dirty="0"/>
-          </a:p>
-        </p:txBody>
-      </p:sp>
-      <p:sp>
-        <p:nvSpPr>
-          <p:cNvPr id="18" name="TextBox 17">
-            <a:extLst>
-              <a:ext uri="{FF2B5EF4-FFF2-40B4-BE49-F238E27FC236}">
-                <a16:creationId xmlns:a16="http://schemas.microsoft.com/office/drawing/2014/main" id="{415E8840-689A-2AC2-329D-05376027176F}"/>
-              </a:ext>
-            </a:extLst>
-          </p:cNvPr>
-          <p:cNvSpPr txBox="1"/>
-          <p:nvPr/>
-        </p:nvSpPr>
-        <p:spPr>
-          <a:xfrm>
-            <a:off x="846667" y="5405735"/>
-            <a:ext cx="9948333" cy="1477328"/>
-          </a:xfrm>
-          <a:prstGeom prst="rect">
-            <a:avLst/>
-          </a:prstGeom>
-          <a:noFill/>
-        </p:spPr>
-        <p:txBody>
-          <a:bodyPr wrap="square" rtlCol="0">
-            <a:spAutoFit/>
-          </a:bodyPr>
-          <a:lstStyle/>
-          <a:p>
-            <a:r>
-              <a:rPr lang="en-US" dirty="0"/>
-              <a:t>Git pull -&gt; git fetch + merge (auto)</a:t>
-            </a:r>
-          </a:p>
-          <a:p>
-            <a:endParaRPr lang="en-US" dirty="0"/>
-          </a:p>
-          <a:p>
-            <a:r>
-              <a:rPr lang="en-US" dirty="0"/>
-              <a:t>Git fetch -&gt; only gets the file it does not merge</a:t>
-            </a:r>
-          </a:p>
-          <a:p>
-            <a:endParaRPr lang="en-US" dirty="0"/>
-          </a:p>
-          <a:p>
-            <a:r>
-              <a:rPr lang="en-US" dirty="0"/>
-              <a:t> </a:t>
-            </a:r>
-            <a:endParaRPr lang="en-IN" dirty="0"/>
-          </a:p>
-        </p:txBody>
-      </p:sp>
     </p:spTree>
     <p:extLst>
       <p:ext uri="{BB962C8B-B14F-4D97-AF65-F5344CB8AC3E}">
-        <p14:creationId xmlns:p14="http://schemas.microsoft.com/office/powerpoint/2010/main" val="1748120327"/>
+        <p14:creationId xmlns:p14="http://schemas.microsoft.com/office/powerpoint/2010/main" val="3913650722"/>
       </p:ext>
     </p:extLst>
   </p:cSld>
@@ -7812,10 +7293,55 @@
       </p:grpSpPr>
       <p:sp>
         <p:nvSpPr>
-          <p:cNvPr id="2" name="Rectangle: Rounded Corners 1">
-            <a:extLst>
-              <a:ext uri="{FF2B5EF4-FFF2-40B4-BE49-F238E27FC236}">
-                <a16:creationId xmlns:a16="http://schemas.microsoft.com/office/drawing/2014/main" id="{849EC00D-A80C-B7E6-93A3-BB12A28FF293}"/>
+          <p:cNvPr id="2" name="TextBox 1">
+            <a:extLst>
+              <a:ext uri="{FF2B5EF4-FFF2-40B4-BE49-F238E27FC236}">
+                <a16:creationId xmlns:a16="http://schemas.microsoft.com/office/drawing/2014/main" id="{A0FA6F97-54A8-1DC4-5A0D-4E61F5CA4718}"/>
+              </a:ext>
+            </a:extLst>
+          </p:cNvPr>
+          <p:cNvSpPr txBox="1"/>
+          <p:nvPr/>
+        </p:nvSpPr>
+        <p:spPr>
+          <a:xfrm>
+            <a:off x="1303867" y="609600"/>
+            <a:ext cx="9948333" cy="923330"/>
+          </a:xfrm>
+          <a:prstGeom prst="rect">
+            <a:avLst/>
+          </a:prstGeom>
+          <a:noFill/>
+        </p:spPr>
+        <p:txBody>
+          <a:bodyPr wrap="square" rtlCol="0">
+            <a:spAutoFit/>
+          </a:bodyPr>
+          <a:lstStyle/>
+          <a:p>
+            <a:r>
+              <a:rPr lang="en-US" dirty="0"/>
+              <a:t>FORKING:</a:t>
+            </a:r>
+          </a:p>
+          <a:p>
+            <a:endParaRPr lang="en-US" dirty="0"/>
+          </a:p>
+          <a:p>
+            <a:r>
+              <a:rPr lang="en-US" dirty="0"/>
+              <a:t>CLONING -&gt; You want to create a copy of remote repository to your local machine as a local repo.</a:t>
+            </a:r>
+            <a:endParaRPr lang="en-IN" dirty="0"/>
+          </a:p>
+        </p:txBody>
+      </p:sp>
+      <p:sp>
+        <p:nvSpPr>
+          <p:cNvPr id="3" name="Rectangle 2">
+            <a:extLst>
+              <a:ext uri="{FF2B5EF4-FFF2-40B4-BE49-F238E27FC236}">
+                <a16:creationId xmlns:a16="http://schemas.microsoft.com/office/drawing/2014/main" id="{1DFD0174-7A6E-C5D9-B5DB-05C1CA02A10D}"/>
               </a:ext>
             </a:extLst>
           </p:cNvPr>
@@ -7824,10 +7350,10 @@
         </p:nvSpPr>
         <p:spPr>
           <a:xfrm>
-            <a:off x="3928533" y="601133"/>
-            <a:ext cx="4038600" cy="1066800"/>
-          </a:xfrm>
-          <a:prstGeom prst="roundRect">
+            <a:off x="2929467" y="2328333"/>
+            <a:ext cx="1710266" cy="474134"/>
+          </a:xfrm>
+          <a:prstGeom prst="rect">
             <a:avLst/>
           </a:prstGeom>
         </p:spPr>
@@ -7853,8 +7379,8 @@
           <a:p>
             <a:pPr algn="ctr"/>
             <a:r>
-              <a:rPr lang="en-US" dirty="0"/>
-              <a:t>GitHub</a:t>
+              <a:rPr lang="en-US" dirty="0" err="1"/>
+              <a:t>swiggy</a:t>
             </a:r>
             <a:endParaRPr lang="en-IN" dirty="0"/>
           </a:p>
@@ -7862,10 +7388,10 @@
       </p:sp>
       <p:sp>
         <p:nvSpPr>
-          <p:cNvPr id="3" name="Rectangle 2">
-            <a:extLst>
-              <a:ext uri="{FF2B5EF4-FFF2-40B4-BE49-F238E27FC236}">
-                <a16:creationId xmlns:a16="http://schemas.microsoft.com/office/drawing/2014/main" id="{AD46EDAD-1046-9088-EAA5-8059D0AC250B}"/>
+          <p:cNvPr id="4" name="Rectangle 3">
+            <a:extLst>
+              <a:ext uri="{FF2B5EF4-FFF2-40B4-BE49-F238E27FC236}">
+                <a16:creationId xmlns:a16="http://schemas.microsoft.com/office/drawing/2014/main" id="{1C6E3F7B-32B6-675F-025A-8B3A90FCD867}"/>
               </a:ext>
             </a:extLst>
           </p:cNvPr>
@@ -7874,8 +7400,8 @@
         </p:nvSpPr>
         <p:spPr>
           <a:xfrm>
-            <a:off x="3742266" y="3767667"/>
-            <a:ext cx="4876800" cy="2489200"/>
+            <a:off x="2929467" y="3429000"/>
+            <a:ext cx="1710266" cy="474134"/>
           </a:xfrm>
           <a:prstGeom prst="rect">
             <a:avLst/>
@@ -7902,14 +7428,480 @@
           <a:lstStyle/>
           <a:p>
             <a:pPr algn="ctr"/>
-            <a:endParaRPr lang="en-IN"/>
+            <a:r>
+              <a:rPr lang="en-US" dirty="0"/>
+              <a:t>Swiggy-v</a:t>
+            </a:r>
+            <a:endParaRPr lang="en-IN" dirty="0"/>
+          </a:p>
+        </p:txBody>
+      </p:sp>
+      <p:cxnSp>
+        <p:nvCxnSpPr>
+          <p:cNvPr id="6" name="Straight Arrow Connector 5">
+            <a:extLst>
+              <a:ext uri="{FF2B5EF4-FFF2-40B4-BE49-F238E27FC236}">
+                <a16:creationId xmlns:a16="http://schemas.microsoft.com/office/drawing/2014/main" id="{854616CF-7F85-EE91-8C4F-624892945118}"/>
+              </a:ext>
+            </a:extLst>
+          </p:cNvPr>
+          <p:cNvCxnSpPr>
+            <a:stCxn id="3" idx="2"/>
+            <a:endCxn id="4" idx="0"/>
+          </p:cNvCxnSpPr>
+          <p:nvPr/>
+        </p:nvCxnSpPr>
+        <p:spPr>
+          <a:xfrm>
+            <a:off x="3784600" y="2802467"/>
+            <a:ext cx="0" cy="626533"/>
+          </a:xfrm>
+          <a:prstGeom prst="straightConnector1">
+            <a:avLst/>
+          </a:prstGeom>
+          <a:ln>
+            <a:tailEnd type="triangle"/>
+          </a:ln>
+        </p:spPr>
+        <p:style>
+          <a:lnRef idx="1">
+            <a:schemeClr val="accent1"/>
+          </a:lnRef>
+          <a:fillRef idx="0">
+            <a:schemeClr val="accent1"/>
+          </a:fillRef>
+          <a:effectRef idx="0">
+            <a:schemeClr val="accent1"/>
+          </a:effectRef>
+          <a:fontRef idx="minor">
+            <a:schemeClr val="tx1"/>
+          </a:fontRef>
+        </p:style>
+      </p:cxnSp>
+      <p:cxnSp>
+        <p:nvCxnSpPr>
+          <p:cNvPr id="7" name="Straight Arrow Connector 6">
+            <a:extLst>
+              <a:ext uri="{FF2B5EF4-FFF2-40B4-BE49-F238E27FC236}">
+                <a16:creationId xmlns:a16="http://schemas.microsoft.com/office/drawing/2014/main" id="{06D0679C-ACDB-BCB8-75C0-16CC247057AE}"/>
+              </a:ext>
+            </a:extLst>
+          </p:cNvPr>
+          <p:cNvCxnSpPr>
+            <a:cxnSpLocks/>
+          </p:cNvCxnSpPr>
+          <p:nvPr/>
+        </p:nvCxnSpPr>
+        <p:spPr>
+          <a:xfrm>
+            <a:off x="4639733" y="2489200"/>
+            <a:ext cx="635000" cy="0"/>
+          </a:xfrm>
+          <a:prstGeom prst="straightConnector1">
+            <a:avLst/>
+          </a:prstGeom>
+          <a:ln>
+            <a:tailEnd type="triangle"/>
+          </a:ln>
+        </p:spPr>
+        <p:style>
+          <a:lnRef idx="1">
+            <a:schemeClr val="accent1"/>
+          </a:lnRef>
+          <a:fillRef idx="0">
+            <a:schemeClr val="accent1"/>
+          </a:fillRef>
+          <a:effectRef idx="0">
+            <a:schemeClr val="accent1"/>
+          </a:effectRef>
+          <a:fontRef idx="minor">
+            <a:schemeClr val="tx1"/>
+          </a:fontRef>
+        </p:style>
+      </p:cxnSp>
+      <p:sp>
+        <p:nvSpPr>
+          <p:cNvPr id="9" name="Rectangle 8">
+            <a:extLst>
+              <a:ext uri="{FF2B5EF4-FFF2-40B4-BE49-F238E27FC236}">
+                <a16:creationId xmlns:a16="http://schemas.microsoft.com/office/drawing/2014/main" id="{D17B672E-EF85-FEFF-89DD-BEA6580B7056}"/>
+              </a:ext>
+            </a:extLst>
+          </p:cNvPr>
+          <p:cNvSpPr/>
+          <p:nvPr/>
+        </p:nvSpPr>
+        <p:spPr>
+          <a:xfrm>
+            <a:off x="5274733" y="2328333"/>
+            <a:ext cx="1710266" cy="474134"/>
+          </a:xfrm>
+          <a:prstGeom prst="rect">
+            <a:avLst/>
+          </a:prstGeom>
+        </p:spPr>
+        <p:style>
+          <a:lnRef idx="2">
+            <a:schemeClr val="accent1">
+              <a:shade val="15000"/>
+            </a:schemeClr>
+          </a:lnRef>
+          <a:fillRef idx="1">
+            <a:schemeClr val="accent1"/>
+          </a:fillRef>
+          <a:effectRef idx="0">
+            <a:schemeClr val="accent1"/>
+          </a:effectRef>
+          <a:fontRef idx="minor">
+            <a:schemeClr val="lt1"/>
+          </a:fontRef>
+        </p:style>
+        <p:txBody>
+          <a:bodyPr rtlCol="0" anchor="ctr"/>
+          <a:lstStyle/>
+          <a:p>
+            <a:pPr algn="ctr"/>
+            <a:r>
+              <a:rPr lang="en-US" dirty="0" err="1"/>
+              <a:t>swiggy</a:t>
+            </a:r>
+            <a:endParaRPr lang="en-IN" dirty="0"/>
+          </a:p>
+        </p:txBody>
+      </p:sp>
+      <p:sp>
+        <p:nvSpPr>
+          <p:cNvPr id="10" name="Rectangle 9">
+            <a:extLst>
+              <a:ext uri="{FF2B5EF4-FFF2-40B4-BE49-F238E27FC236}">
+                <a16:creationId xmlns:a16="http://schemas.microsoft.com/office/drawing/2014/main" id="{CAF0E10D-A825-E971-D5A6-BAD46737539D}"/>
+              </a:ext>
+            </a:extLst>
+          </p:cNvPr>
+          <p:cNvSpPr/>
+          <p:nvPr/>
+        </p:nvSpPr>
+        <p:spPr>
+          <a:xfrm>
+            <a:off x="7696199" y="2328333"/>
+            <a:ext cx="1710266" cy="474134"/>
+          </a:xfrm>
+          <a:prstGeom prst="rect">
+            <a:avLst/>
+          </a:prstGeom>
+        </p:spPr>
+        <p:style>
+          <a:lnRef idx="2">
+            <a:schemeClr val="accent1">
+              <a:shade val="15000"/>
+            </a:schemeClr>
+          </a:lnRef>
+          <a:fillRef idx="1">
+            <a:schemeClr val="accent1"/>
+          </a:fillRef>
+          <a:effectRef idx="0">
+            <a:schemeClr val="accent1"/>
+          </a:effectRef>
+          <a:fontRef idx="minor">
+            <a:schemeClr val="lt1"/>
+          </a:fontRef>
+        </p:style>
+        <p:txBody>
+          <a:bodyPr rtlCol="0" anchor="ctr"/>
+          <a:lstStyle/>
+          <a:p>
+            <a:pPr algn="ctr"/>
+            <a:r>
+              <a:rPr lang="en-US" dirty="0" err="1"/>
+              <a:t>swiggy</a:t>
+            </a:r>
+            <a:endParaRPr lang="en-IN" dirty="0"/>
+          </a:p>
+        </p:txBody>
+      </p:sp>
+      <p:cxnSp>
+        <p:nvCxnSpPr>
+          <p:cNvPr id="11" name="Straight Arrow Connector 10">
+            <a:extLst>
+              <a:ext uri="{FF2B5EF4-FFF2-40B4-BE49-F238E27FC236}">
+                <a16:creationId xmlns:a16="http://schemas.microsoft.com/office/drawing/2014/main" id="{8528A4C9-7659-46AC-4EFD-FA498421E766}"/>
+              </a:ext>
+            </a:extLst>
+          </p:cNvPr>
+          <p:cNvCxnSpPr>
+            <a:cxnSpLocks/>
+            <a:stCxn id="9" idx="3"/>
+          </p:cNvCxnSpPr>
+          <p:nvPr/>
+        </p:nvCxnSpPr>
+        <p:spPr>
+          <a:xfrm>
+            <a:off x="6984999" y="2565400"/>
+            <a:ext cx="711200" cy="0"/>
+          </a:xfrm>
+          <a:prstGeom prst="straightConnector1">
+            <a:avLst/>
+          </a:prstGeom>
+          <a:ln>
+            <a:tailEnd type="triangle"/>
+          </a:ln>
+        </p:spPr>
+        <p:style>
+          <a:lnRef idx="1">
+            <a:schemeClr val="accent1"/>
+          </a:lnRef>
+          <a:fillRef idx="0">
+            <a:schemeClr val="accent1"/>
+          </a:fillRef>
+          <a:effectRef idx="0">
+            <a:schemeClr val="accent1"/>
+          </a:effectRef>
+          <a:fontRef idx="minor">
+            <a:schemeClr val="tx1"/>
+          </a:fontRef>
+        </p:style>
+      </p:cxnSp>
+      <p:sp>
+        <p:nvSpPr>
+          <p:cNvPr id="13" name="Rectangle 12">
+            <a:extLst>
+              <a:ext uri="{FF2B5EF4-FFF2-40B4-BE49-F238E27FC236}">
+                <a16:creationId xmlns:a16="http://schemas.microsoft.com/office/drawing/2014/main" id="{A8567B02-F764-4DF2-D5A1-4E9813CFACC6}"/>
+              </a:ext>
+            </a:extLst>
+          </p:cNvPr>
+          <p:cNvSpPr/>
+          <p:nvPr/>
+        </p:nvSpPr>
+        <p:spPr>
+          <a:xfrm>
+            <a:off x="2929467" y="4292600"/>
+            <a:ext cx="1710266" cy="474134"/>
+          </a:xfrm>
+          <a:prstGeom prst="rect">
+            <a:avLst/>
+          </a:prstGeom>
+        </p:spPr>
+        <p:style>
+          <a:lnRef idx="2">
+            <a:schemeClr val="accent1">
+              <a:shade val="15000"/>
+            </a:schemeClr>
+          </a:lnRef>
+          <a:fillRef idx="1">
+            <a:schemeClr val="accent1"/>
+          </a:fillRef>
+          <a:effectRef idx="0">
+            <a:schemeClr val="accent1"/>
+          </a:effectRef>
+          <a:fontRef idx="minor">
+            <a:schemeClr val="lt1"/>
+          </a:fontRef>
+        </p:style>
+        <p:txBody>
+          <a:bodyPr rtlCol="0" anchor="ctr"/>
+          <a:lstStyle/>
+          <a:p>
+            <a:pPr algn="ctr"/>
+            <a:r>
+              <a:rPr lang="en-US" dirty="0"/>
+              <a:t>Swiggy-v</a:t>
+            </a:r>
+            <a:endParaRPr lang="en-IN" dirty="0"/>
+          </a:p>
+        </p:txBody>
+      </p:sp>
+      <p:cxnSp>
+        <p:nvCxnSpPr>
+          <p:cNvPr id="14" name="Straight Arrow Connector 13">
+            <a:extLst>
+              <a:ext uri="{FF2B5EF4-FFF2-40B4-BE49-F238E27FC236}">
+                <a16:creationId xmlns:a16="http://schemas.microsoft.com/office/drawing/2014/main" id="{50193DC6-ED42-8F18-1F33-4BE8F5105220}"/>
+              </a:ext>
+            </a:extLst>
+          </p:cNvPr>
+          <p:cNvCxnSpPr>
+            <a:cxnSpLocks/>
+            <a:endCxn id="13" idx="0"/>
+          </p:cNvCxnSpPr>
+          <p:nvPr/>
+        </p:nvCxnSpPr>
+        <p:spPr>
+          <a:xfrm>
+            <a:off x="3784600" y="3877734"/>
+            <a:ext cx="0" cy="414866"/>
+          </a:xfrm>
+          <a:prstGeom prst="straightConnector1">
+            <a:avLst/>
+          </a:prstGeom>
+          <a:ln>
+            <a:tailEnd type="triangle"/>
+          </a:ln>
+        </p:spPr>
+        <p:style>
+          <a:lnRef idx="1">
+            <a:schemeClr val="accent1"/>
+          </a:lnRef>
+          <a:fillRef idx="0">
+            <a:schemeClr val="accent1"/>
+          </a:fillRef>
+          <a:effectRef idx="0">
+            <a:schemeClr val="accent1"/>
+          </a:effectRef>
+          <a:fontRef idx="minor">
+            <a:schemeClr val="tx1"/>
+          </a:fontRef>
+        </p:style>
+      </p:cxnSp>
+      <p:cxnSp>
+        <p:nvCxnSpPr>
+          <p:cNvPr id="16" name="Straight Arrow Connector 15">
+            <a:extLst>
+              <a:ext uri="{FF2B5EF4-FFF2-40B4-BE49-F238E27FC236}">
+                <a16:creationId xmlns:a16="http://schemas.microsoft.com/office/drawing/2014/main" id="{2B685792-B69B-4F40-CCEA-84B124917019}"/>
+              </a:ext>
+            </a:extLst>
+          </p:cNvPr>
+          <p:cNvCxnSpPr>
+            <a:cxnSpLocks/>
+          </p:cNvCxnSpPr>
+          <p:nvPr/>
+        </p:nvCxnSpPr>
+        <p:spPr>
+          <a:xfrm>
+            <a:off x="3776133" y="4690534"/>
+            <a:ext cx="0" cy="414866"/>
+          </a:xfrm>
+          <a:prstGeom prst="straightConnector1">
+            <a:avLst/>
+          </a:prstGeom>
+          <a:ln>
+            <a:tailEnd type="triangle"/>
+          </a:ln>
+        </p:spPr>
+        <p:style>
+          <a:lnRef idx="1">
+            <a:schemeClr val="accent1"/>
+          </a:lnRef>
+          <a:fillRef idx="0">
+            <a:schemeClr val="accent1"/>
+          </a:fillRef>
+          <a:effectRef idx="0">
+            <a:schemeClr val="accent1"/>
+          </a:effectRef>
+          <a:fontRef idx="minor">
+            <a:schemeClr val="tx1"/>
+          </a:fontRef>
+        </p:style>
+      </p:cxnSp>
+      <p:sp>
+        <p:nvSpPr>
+          <p:cNvPr id="17" name="Rectangle 16">
+            <a:extLst>
+              <a:ext uri="{FF2B5EF4-FFF2-40B4-BE49-F238E27FC236}">
+                <a16:creationId xmlns:a16="http://schemas.microsoft.com/office/drawing/2014/main" id="{0B4CC610-C885-8EE9-305D-6E78E2D93811}"/>
+              </a:ext>
+            </a:extLst>
+          </p:cNvPr>
+          <p:cNvSpPr/>
+          <p:nvPr/>
+        </p:nvSpPr>
+        <p:spPr>
+          <a:xfrm>
+            <a:off x="3056467" y="4453467"/>
+            <a:ext cx="1710266" cy="474134"/>
+          </a:xfrm>
+          <a:prstGeom prst="rect">
+            <a:avLst/>
+          </a:prstGeom>
+        </p:spPr>
+        <p:style>
+          <a:lnRef idx="2">
+            <a:schemeClr val="accent1">
+              <a:shade val="15000"/>
+            </a:schemeClr>
+          </a:lnRef>
+          <a:fillRef idx="1">
+            <a:schemeClr val="accent1"/>
+          </a:fillRef>
+          <a:effectRef idx="0">
+            <a:schemeClr val="accent1"/>
+          </a:effectRef>
+          <a:fontRef idx="minor">
+            <a:schemeClr val="lt1"/>
+          </a:fontRef>
+        </p:style>
+        <p:txBody>
+          <a:bodyPr rtlCol="0" anchor="ctr"/>
+          <a:lstStyle/>
+          <a:p>
+            <a:pPr algn="ctr"/>
+            <a:r>
+              <a:rPr lang="en-US" dirty="0"/>
+              <a:t>Swiggy-v</a:t>
+            </a:r>
+            <a:endParaRPr lang="en-IN" dirty="0"/>
+          </a:p>
+        </p:txBody>
+      </p:sp>
+      <p:sp>
+        <p:nvSpPr>
+          <p:cNvPr id="18" name="TextBox 17">
+            <a:extLst>
+              <a:ext uri="{FF2B5EF4-FFF2-40B4-BE49-F238E27FC236}">
+                <a16:creationId xmlns:a16="http://schemas.microsoft.com/office/drawing/2014/main" id="{415E8840-689A-2AC2-329D-05376027176F}"/>
+              </a:ext>
+            </a:extLst>
+          </p:cNvPr>
+          <p:cNvSpPr txBox="1"/>
+          <p:nvPr/>
+        </p:nvSpPr>
+        <p:spPr>
+          <a:xfrm>
+            <a:off x="846667" y="5405735"/>
+            <a:ext cx="9948333" cy="1477328"/>
+          </a:xfrm>
+          <a:prstGeom prst="rect">
+            <a:avLst/>
+          </a:prstGeom>
+          <a:noFill/>
+        </p:spPr>
+        <p:txBody>
+          <a:bodyPr wrap="square" rtlCol="0">
+            <a:spAutoFit/>
+          </a:bodyPr>
+          <a:lstStyle/>
+          <a:p>
+            <a:r>
+              <a:rPr lang="en-US" dirty="0"/>
+              <a:t>Git pull -&gt; git fetch + merge (auto)</a:t>
+            </a:r>
+          </a:p>
+          <a:p>
+            <a:endParaRPr lang="en-US" dirty="0"/>
+          </a:p>
+          <a:p>
+            <a:r>
+              <a:rPr lang="en-US" dirty="0"/>
+              <a:t>Git fetch -&gt; only gets the file it does not merge</a:t>
+            </a:r>
+          </a:p>
+          <a:p>
+            <a:endParaRPr lang="en-US" dirty="0"/>
+          </a:p>
+          <a:p>
+            <a:r>
+              <a:rPr lang="en-US" dirty="0"/>
+              <a:t> </a:t>
+            </a:r>
+            <a:endParaRPr lang="en-IN" dirty="0"/>
           </a:p>
         </p:txBody>
       </p:sp>
     </p:spTree>
     <p:extLst>
       <p:ext uri="{BB962C8B-B14F-4D97-AF65-F5344CB8AC3E}">
-        <p14:creationId xmlns:p14="http://schemas.microsoft.com/office/powerpoint/2010/main" val="2312792529"/>
+        <p14:creationId xmlns:p14="http://schemas.microsoft.com/office/powerpoint/2010/main" val="1748120327"/>
       </p:ext>
     </p:extLst>
   </p:cSld>
@@ -7938,53 +7930,104 @@
       </p:grpSpPr>
       <p:sp>
         <p:nvSpPr>
-          <p:cNvPr id="2" name="TextBox 1">
-            <a:extLst>
-              <a:ext uri="{FF2B5EF4-FFF2-40B4-BE49-F238E27FC236}">
-                <a16:creationId xmlns:a16="http://schemas.microsoft.com/office/drawing/2014/main" id="{822453D9-C67A-6B1A-91CB-2F6F10E40065}"/>
-              </a:ext>
-            </a:extLst>
-          </p:cNvPr>
-          <p:cNvSpPr txBox="1"/>
-          <p:nvPr/>
-        </p:nvSpPr>
-        <p:spPr>
-          <a:xfrm>
-            <a:off x="1083733" y="618067"/>
-            <a:ext cx="10024533" cy="2123658"/>
+          <p:cNvPr id="2" name="Rectangle: Rounded Corners 1">
+            <a:extLst>
+              <a:ext uri="{FF2B5EF4-FFF2-40B4-BE49-F238E27FC236}">
+                <a16:creationId xmlns:a16="http://schemas.microsoft.com/office/drawing/2014/main" id="{849EC00D-A80C-B7E6-93A3-BB12A28FF293}"/>
+              </a:ext>
+            </a:extLst>
+          </p:cNvPr>
+          <p:cNvSpPr/>
+          <p:nvPr/>
+        </p:nvSpPr>
+        <p:spPr>
+          <a:xfrm>
+            <a:off x="3928533" y="601133"/>
+            <a:ext cx="4038600" cy="1066800"/>
+          </a:xfrm>
+          <a:prstGeom prst="roundRect">
+            <a:avLst/>
+          </a:prstGeom>
+        </p:spPr>
+        <p:style>
+          <a:lnRef idx="2">
+            <a:schemeClr val="accent1">
+              <a:shade val="15000"/>
+            </a:schemeClr>
+          </a:lnRef>
+          <a:fillRef idx="1">
+            <a:schemeClr val="accent1"/>
+          </a:fillRef>
+          <a:effectRef idx="0">
+            <a:schemeClr val="accent1"/>
+          </a:effectRef>
+          <a:fontRef idx="minor">
+            <a:schemeClr val="lt1"/>
+          </a:fontRef>
+        </p:style>
+        <p:txBody>
+          <a:bodyPr rtlCol="0" anchor="ctr"/>
+          <a:lstStyle/>
+          <a:p>
+            <a:pPr algn="ctr"/>
+            <a:r>
+              <a:rPr lang="en-US" dirty="0"/>
+              <a:t>GitHub</a:t>
+            </a:r>
+            <a:endParaRPr lang="en-IN" dirty="0"/>
+          </a:p>
+        </p:txBody>
+      </p:sp>
+      <p:sp>
+        <p:nvSpPr>
+          <p:cNvPr id="3" name="Rectangle 2">
+            <a:extLst>
+              <a:ext uri="{FF2B5EF4-FFF2-40B4-BE49-F238E27FC236}">
+                <a16:creationId xmlns:a16="http://schemas.microsoft.com/office/drawing/2014/main" id="{AD46EDAD-1046-9088-EAA5-8059D0AC250B}"/>
+              </a:ext>
+            </a:extLst>
+          </p:cNvPr>
+          <p:cNvSpPr/>
+          <p:nvPr/>
+        </p:nvSpPr>
+        <p:spPr>
+          <a:xfrm>
+            <a:off x="3742266" y="3767667"/>
+            <a:ext cx="4876800" cy="2489200"/>
           </a:xfrm>
           <a:prstGeom prst="rect">
             <a:avLst/>
           </a:prstGeom>
-          <a:noFill/>
-        </p:spPr>
-        <p:txBody>
-          <a:bodyPr wrap="square" rtlCol="0">
-            <a:spAutoFit/>
-          </a:bodyPr>
-          <a:lstStyle/>
-          <a:p>
-            <a:r>
-              <a:rPr lang="en-IN" sz="4400" dirty="0"/>
-              <a:t>BREAK   </a:t>
-            </a:r>
-          </a:p>
-          <a:p>
-            <a:endParaRPr lang="en-IN" sz="4400" dirty="0"/>
-          </a:p>
-          <a:p>
-            <a:r>
-              <a:rPr lang="en-IN" sz="4400" dirty="0"/>
-              <a:t>BE BACK by 4:15  PM</a:t>
-            </a:r>
-            <a:endParaRPr lang="en-IN" dirty="0"/>
+        </p:spPr>
+        <p:style>
+          <a:lnRef idx="2">
+            <a:schemeClr val="accent1">
+              <a:shade val="15000"/>
+            </a:schemeClr>
+          </a:lnRef>
+          <a:fillRef idx="1">
+            <a:schemeClr val="accent1"/>
+          </a:fillRef>
+          <a:effectRef idx="0">
+            <a:schemeClr val="accent1"/>
+          </a:effectRef>
+          <a:fontRef idx="minor">
+            <a:schemeClr val="lt1"/>
+          </a:fontRef>
+        </p:style>
+        <p:txBody>
+          <a:bodyPr rtlCol="0" anchor="ctr"/>
+          <a:lstStyle/>
+          <a:p>
+            <a:pPr algn="ctr"/>
+            <a:endParaRPr lang="en-IN"/>
           </a:p>
         </p:txBody>
       </p:sp>
     </p:spTree>
     <p:extLst>
       <p:ext uri="{BB962C8B-B14F-4D97-AF65-F5344CB8AC3E}">
-        <p14:creationId xmlns:p14="http://schemas.microsoft.com/office/powerpoint/2010/main" val="2478498778"/>
+        <p14:creationId xmlns:p14="http://schemas.microsoft.com/office/powerpoint/2010/main" val="2312792529"/>
       </p:ext>
     </p:extLst>
   </p:cSld>
@@ -8234,6 +8277,81 @@
     <p:extLst>
       <p:ext uri="{BB962C8B-B14F-4D97-AF65-F5344CB8AC3E}">
         <p14:creationId xmlns:p14="http://schemas.microsoft.com/office/powerpoint/2010/main" val="3041858410"/>
+      </p:ext>
+    </p:extLst>
+  </p:cSld>
+  <p:clrMapOvr>
+    <a:masterClrMapping/>
+  </p:clrMapOvr>
+</p:sld>
+</file>
+
+<file path=ppt/slides/slide20.xml><?xml version="1.0" encoding="utf-8"?>
+<p:sld xmlns:a="http://schemas.openxmlformats.org/drawingml/2006/main" xmlns:r="http://schemas.openxmlformats.org/officeDocument/2006/relationships" xmlns:p="http://schemas.openxmlformats.org/presentationml/2006/main">
+  <p:cSld>
+    <p:spTree>
+      <p:nvGrpSpPr>
+        <p:cNvPr id="1" name=""/>
+        <p:cNvGrpSpPr/>
+        <p:nvPr/>
+      </p:nvGrpSpPr>
+      <p:grpSpPr>
+        <a:xfrm>
+          <a:off x="0" y="0"/>
+          <a:ext cx="0" cy="0"/>
+          <a:chOff x="0" y="0"/>
+          <a:chExt cx="0" cy="0"/>
+        </a:xfrm>
+      </p:grpSpPr>
+      <p:sp>
+        <p:nvSpPr>
+          <p:cNvPr id="2" name="TextBox 1">
+            <a:extLst>
+              <a:ext uri="{FF2B5EF4-FFF2-40B4-BE49-F238E27FC236}">
+                <a16:creationId xmlns:a16="http://schemas.microsoft.com/office/drawing/2014/main" id="{822453D9-C67A-6B1A-91CB-2F6F10E40065}"/>
+              </a:ext>
+            </a:extLst>
+          </p:cNvPr>
+          <p:cNvSpPr txBox="1"/>
+          <p:nvPr/>
+        </p:nvSpPr>
+        <p:spPr>
+          <a:xfrm>
+            <a:off x="1083733" y="618067"/>
+            <a:ext cx="10024533" cy="2123658"/>
+          </a:xfrm>
+          <a:prstGeom prst="rect">
+            <a:avLst/>
+          </a:prstGeom>
+          <a:noFill/>
+        </p:spPr>
+        <p:txBody>
+          <a:bodyPr wrap="square" rtlCol="0">
+            <a:spAutoFit/>
+          </a:bodyPr>
+          <a:lstStyle/>
+          <a:p>
+            <a:r>
+              <a:rPr lang="en-IN" sz="4400" dirty="0"/>
+              <a:t>BREAK   </a:t>
+            </a:r>
+          </a:p>
+          <a:p>
+            <a:endParaRPr lang="en-IN" sz="4400" dirty="0"/>
+          </a:p>
+          <a:p>
+            <a:r>
+              <a:rPr lang="en-IN" sz="4400" dirty="0"/>
+              <a:t>BE BACK by 4:15  PM</a:t>
+            </a:r>
+            <a:endParaRPr lang="en-IN" dirty="0"/>
+          </a:p>
+        </p:txBody>
+      </p:sp>
+    </p:spTree>
+    <p:extLst>
+      <p:ext uri="{BB962C8B-B14F-4D97-AF65-F5344CB8AC3E}">
+        <p14:creationId xmlns:p14="http://schemas.microsoft.com/office/powerpoint/2010/main" val="2478498778"/>
       </p:ext>
     </p:extLst>
   </p:cSld>
@@ -10625,13 +10743,8 @@
           <a:p>
             <a:r>
               <a:rPr lang="en-IN" dirty="0"/>
-              <a:t>Git Pull = git fetch </a:t>
-            </a:r>
-            <a:r>
-              <a:rPr lang="en-IN"/>
-              <a:t>+ git merge</a:t>
-            </a:r>
-            <a:endParaRPr lang="en-IN" dirty="0"/>
+              <a:t>Git Pull = git fetch + git merge</a:t>
+            </a:r>
           </a:p>
           <a:p>
             <a:endParaRPr lang="en-IN" dirty="0"/>
